--- a/draft/Poster_template.pptx
+++ b/draft/Poster_template.pptx
@@ -10332,13 +10332,7 @@
               <a:rPr lang="en-US" altLang="en-US" sz="4400" b="1" dirty="0">
                 <a:latin typeface="Arial" charset="0"/>
               </a:rPr>
-              <a:t>Mentors: </a:t>
-            </a:r>
-            <a:r>
-              <a:rPr lang="en-US" altLang="en-US" sz="4400" b="1" dirty="0">
-                <a:latin typeface="Arial" charset="0"/>
-              </a:rPr>
-              <a:t>Dr. </a:t>
+              <a:t>Mentors: Dr. </a:t>
             </a:r>
             <a:r>
               <a:rPr lang="en-US" altLang="en-US" sz="4400" b="1" dirty="0" err="1">
@@ -10350,13 +10344,7 @@
               <a:rPr lang="en-US" altLang="en-US" sz="4400" b="1" dirty="0">
                 <a:latin typeface="Arial" charset="0"/>
               </a:rPr>
-              <a:t>-Chung Chow; Dr. Mengdie Yuan</a:t>
-            </a:r>
-            <a:r>
-              <a:rPr lang="en-US" altLang="en-US" sz="4400" b="1" dirty="0">
-                <a:latin typeface="Arial" charset="0"/>
-              </a:rPr>
-              <a:t> </a:t>
+              <a:t>-Chung Chow; Dr. Mengdie Yuan </a:t>
             </a:r>
           </a:p>
         </p:txBody>
@@ -10551,7 +10539,7 @@
         <p:spPr bwMode="auto">
           <a:xfrm>
             <a:off x="693738" y="6205538"/>
-            <a:ext cx="9982200" cy="1384995"/>
+            <a:ext cx="9982200" cy="5863144"/>
           </a:xfrm>
           <a:prstGeom prst="rect">
             <a:avLst/>
@@ -10685,12 +10673,19 @@
           <a:p>
             <a:pPr algn="just" eaLnBrk="1" hangingPunct="1"/>
             <a:r>
-              <a:rPr lang="en-US" altLang="en-US" sz="3000" dirty="0" err="1">
-                <a:latin typeface="Cambria" panose="02040503050406030204" pitchFamily="18" charset="0"/>
-                <a:cs typeface="Times New Roman" panose="02020603050405020304" pitchFamily="18" charset="0"/>
-              </a:rPr>
-              <a:t>aaa</a:t>
-            </a:r>
+              <a:rPr lang="en-US" dirty="0"/>
+              <a:t>Analytical similarity assessment is the foundation of the development of biosimilar drug product, where the quality attributes to characterize the test product and the reference product needs to be shown statistically similar. When there were multiple references, e.g., a US-licensed reference product and a EU-approved reference, in addition to the similarity of the test product with each of the reference product, extra evidence for the similarity between the two reference products is also needed in the analytical similarity assessment. </a:t>
+            </a:r>
+          </a:p>
+          <a:p>
+            <a:pPr algn="just" eaLnBrk="1" hangingPunct="1"/>
+            <a:endParaRPr lang="en-US" altLang="en-US" sz="3000" b="1" dirty="0">
+              <a:latin typeface="Cambria" panose="02040503050406030204" pitchFamily="18" charset="0"/>
+              <a:cs typeface="Times New Roman" panose="02020603050405020304" pitchFamily="18" charset="0"/>
+            </a:endParaRPr>
+          </a:p>
+          <a:p>
+            <a:pPr algn="just" eaLnBrk="1" hangingPunct="1"/>
             <a:endParaRPr lang="en-US" altLang="en-US" sz="3000" b="1" dirty="0">
               <a:latin typeface="Cambria" panose="02040503050406030204" pitchFamily="18" charset="0"/>
               <a:cs typeface="Times New Roman" panose="02020603050405020304" pitchFamily="18" charset="0"/>
@@ -10708,7 +10703,7 @@
         </p:nvSpPr>
         <p:spPr bwMode="auto">
           <a:xfrm>
-            <a:off x="11490325" y="5626100"/>
+            <a:off x="685800" y="23836266"/>
             <a:ext cx="9982200" cy="579438"/>
           </a:xfrm>
           <a:prstGeom prst="rect">
@@ -10859,171 +10854,7 @@
                 </a:solidFill>
                 <a:latin typeface="+mn-lt"/>
               </a:rPr>
-              <a:t>Statistical Methods</a:t>
-            </a:r>
-          </a:p>
-        </p:txBody>
-      </p:sp>
-      <p:sp>
-        <p:nvSpPr>
-          <p:cNvPr id="4109" name="Text Box 417"/>
-          <p:cNvSpPr txBox="1">
-            <a:spLocks noChangeArrowheads="1"/>
-          </p:cNvSpPr>
-          <p:nvPr/>
-        </p:nvSpPr>
-        <p:spPr bwMode="auto">
-          <a:xfrm>
-            <a:off x="11490325" y="16901907"/>
-            <a:ext cx="9982200" cy="579438"/>
-          </a:xfrm>
-          <a:prstGeom prst="rect">
-            <a:avLst/>
-          </a:prstGeom>
-          <a:solidFill>
-            <a:srgbClr val="0070C0"/>
-          </a:solidFill>
-          <a:ln>
-            <a:solidFill>
-              <a:srgbClr val="0070C0"/>
-            </a:solidFill>
-          </a:ln>
-          <a:effectLst>
-            <a:outerShdw blurRad="190500" dist="228600" dir="2700000" algn="ctr">
-              <a:srgbClr val="000000">
-                <a:alpha val="30000"/>
-              </a:srgbClr>
-            </a:outerShdw>
-          </a:effectLst>
-          <a:scene3d>
-            <a:camera prst="orthographicFront">
-              <a:rot lat="0" lon="0" rev="0"/>
-            </a:camera>
-            <a:lightRig rig="glow" dir="t">
-              <a:rot lat="0" lon="0" rev="4800000"/>
-            </a:lightRig>
-          </a:scene3d>
-          <a:sp3d prstMaterial="matte">
-            <a:bevelT w="127000" h="63500"/>
-          </a:sp3d>
-        </p:spPr>
-        <p:txBody>
-          <a:bodyPr lIns="91267" tIns="45624" rIns="91267" bIns="45624">
-            <a:spAutoFit/>
-          </a:bodyPr>
-          <a:lstStyle>
-            <a:lvl1pPr eaLnBrk="0" hangingPunct="0">
-              <a:defRPr sz="2900">
-                <a:solidFill>
-                  <a:schemeClr val="tx1"/>
-                </a:solidFill>
-                <a:latin typeface="Arial Narrow" pitchFamily="34" charset="0"/>
-              </a:defRPr>
-            </a:lvl1pPr>
-            <a:lvl2pPr marL="742950" indent="-285750" eaLnBrk="0" hangingPunct="0">
-              <a:defRPr sz="2900">
-                <a:solidFill>
-                  <a:schemeClr val="tx1"/>
-                </a:solidFill>
-                <a:latin typeface="Arial Narrow" pitchFamily="34" charset="0"/>
-              </a:defRPr>
-            </a:lvl2pPr>
-            <a:lvl3pPr marL="1143000" indent="-228600" eaLnBrk="0" hangingPunct="0">
-              <a:defRPr sz="2900">
-                <a:solidFill>
-                  <a:schemeClr val="tx1"/>
-                </a:solidFill>
-                <a:latin typeface="Arial Narrow" pitchFamily="34" charset="0"/>
-              </a:defRPr>
-            </a:lvl3pPr>
-            <a:lvl4pPr marL="1600200" indent="-228600" eaLnBrk="0" hangingPunct="0">
-              <a:defRPr sz="2900">
-                <a:solidFill>
-                  <a:schemeClr val="tx1"/>
-                </a:solidFill>
-                <a:latin typeface="Arial Narrow" pitchFamily="34" charset="0"/>
-              </a:defRPr>
-            </a:lvl4pPr>
-            <a:lvl5pPr marL="2057400" indent="-228600" eaLnBrk="0" hangingPunct="0">
-              <a:defRPr sz="2900">
-                <a:solidFill>
-                  <a:schemeClr val="tx1"/>
-                </a:solidFill>
-                <a:latin typeface="Arial Narrow" pitchFamily="34" charset="0"/>
-              </a:defRPr>
-            </a:lvl5pPr>
-            <a:lvl6pPr marL="2514600" indent="-228600" eaLnBrk="0" fontAlgn="base" hangingPunct="0">
-              <a:spcBef>
-                <a:spcPct val="0"/>
-              </a:spcBef>
-              <a:spcAft>
-                <a:spcPct val="0"/>
-              </a:spcAft>
-              <a:defRPr sz="2900">
-                <a:solidFill>
-                  <a:schemeClr val="tx1"/>
-                </a:solidFill>
-                <a:latin typeface="Arial Narrow" pitchFamily="34" charset="0"/>
-              </a:defRPr>
-            </a:lvl6pPr>
-            <a:lvl7pPr marL="2971800" indent="-228600" eaLnBrk="0" fontAlgn="base" hangingPunct="0">
-              <a:spcBef>
-                <a:spcPct val="0"/>
-              </a:spcBef>
-              <a:spcAft>
-                <a:spcPct val="0"/>
-              </a:spcAft>
-              <a:defRPr sz="2900">
-                <a:solidFill>
-                  <a:schemeClr val="tx1"/>
-                </a:solidFill>
-                <a:latin typeface="Arial Narrow" pitchFamily="34" charset="0"/>
-              </a:defRPr>
-            </a:lvl7pPr>
-            <a:lvl8pPr marL="3429000" indent="-228600" eaLnBrk="0" fontAlgn="base" hangingPunct="0">
-              <a:spcBef>
-                <a:spcPct val="0"/>
-              </a:spcBef>
-              <a:spcAft>
-                <a:spcPct val="0"/>
-              </a:spcAft>
-              <a:defRPr sz="2900">
-                <a:solidFill>
-                  <a:schemeClr val="tx1"/>
-                </a:solidFill>
-                <a:latin typeface="Arial Narrow" pitchFamily="34" charset="0"/>
-              </a:defRPr>
-            </a:lvl8pPr>
-            <a:lvl9pPr marL="3886200" indent="-228600" eaLnBrk="0" fontAlgn="base" hangingPunct="0">
-              <a:spcBef>
-                <a:spcPct val="0"/>
-              </a:spcBef>
-              <a:spcAft>
-                <a:spcPct val="0"/>
-              </a:spcAft>
-              <a:defRPr sz="2900">
-                <a:solidFill>
-                  <a:schemeClr val="tx1"/>
-                </a:solidFill>
-                <a:latin typeface="Arial Narrow" pitchFamily="34" charset="0"/>
-              </a:defRPr>
-            </a:lvl9pPr>
-          </a:lstStyle>
-          <a:p>
-            <a:pPr algn="ctr">
-              <a:spcBef>
-                <a:spcPct val="50000"/>
-              </a:spcBef>
-            </a:pPr>
-            <a:r>
-              <a:rPr lang="en-US" altLang="en-US" sz="3200" b="1" dirty="0">
-                <a:solidFill>
-                  <a:srgbClr val="F8F8F8"/>
-                </a:solidFill>
-                <a:latin typeface="+mn-lt"/>
-                <a:cs typeface="Times New Roman" panose="02020603050405020304" pitchFamily="18" charset="0"/>
-              </a:rPr>
-              <a:t>Issues</a:t>
+              <a:t>Pairwise Comparison Method</a:t>
             </a:r>
           </a:p>
         </p:txBody>
@@ -11348,7 +11179,7 @@
                 <a:latin typeface="+mn-lt"/>
                 <a:cs typeface="Times New Roman" panose="02020603050405020304" pitchFamily="18" charset="0"/>
               </a:rPr>
-              <a:t>Simulation Studies</a:t>
+              <a:t>Examples</a:t>
             </a:r>
           </a:p>
         </p:txBody>
@@ -11669,7 +11500,7 @@
                 <a:latin typeface="+mn-lt"/>
                 <a:cs typeface="Times New Roman" panose="02020603050405020304" pitchFamily="18" charset="0"/>
               </a:rPr>
-              <a:t>Conclusion</a:t>
+              <a:t>Simulation Studies</a:t>
             </a:r>
           </a:p>
         </p:txBody>
@@ -11684,7 +11515,7 @@
         </p:nvSpPr>
         <p:spPr bwMode="auto">
           <a:xfrm>
-            <a:off x="33078738" y="19320168"/>
+            <a:off x="33078738" y="24040667"/>
             <a:ext cx="9982200" cy="584582"/>
           </a:xfrm>
           <a:prstGeom prst="rect">
@@ -11832,7 +11663,7 @@
                 </a:solidFill>
                 <a:latin typeface="+mn-lt"/>
               </a:rPr>
-              <a:t>Discussion</a:t>
+              <a:t>Concluding Remarks</a:t>
             </a:r>
           </a:p>
         </p:txBody>
@@ -12003,7 +11834,7 @@
         </p:nvSpPr>
         <p:spPr bwMode="auto">
           <a:xfrm>
-            <a:off x="11490325" y="6160308"/>
+            <a:off x="11490325" y="7758715"/>
             <a:ext cx="9982200" cy="1384995"/>
           </a:xfrm>
           <a:prstGeom prst="rect">
@@ -12190,8 +12021,8 @@
         </p:nvSpPr>
         <p:spPr bwMode="auto">
           <a:xfrm>
-            <a:off x="33078738" y="19950671"/>
-            <a:ext cx="9982200" cy="1384995"/>
+            <a:off x="33078738" y="25952314"/>
+            <a:ext cx="9982200" cy="6001643"/>
           </a:xfrm>
           <a:prstGeom prst="rect">
             <a:avLst/>
@@ -12323,16 +12154,45 @@
             </a:lvl9pPr>
           </a:lstStyle>
           <a:p>
-            <a:pPr algn="just"/>
-            <a:r>
-              <a:rPr lang="en-US" altLang="en-US" sz="3000" dirty="0" err="1">
-                <a:latin typeface="Cambria" panose="02040503050406030204" pitchFamily="18" charset="0"/>
+            <a:pPr marL="457200" indent="-457200" algn="just">
+              <a:buFont typeface="Arial" panose="020B0604020202020204" pitchFamily="34" charset="0"/>
+              <a:buChar char="•"/>
+            </a:pPr>
+            <a:r>
+              <a:rPr lang="en-US" altLang="en-US" sz="3000" dirty="0">
+                <a:latin typeface="+mn-lt"/>
                 <a:cs typeface="Times New Roman" panose="02020603050405020304" pitchFamily="18" charset="0"/>
               </a:rPr>
-              <a:t>aaa</a:t>
+              <a:t>The Original and Integrated version of simultaneous confidence interval approaches have significant larger power compared to the pairwise comparison method, at the same time, well control the type error.</a:t>
+            </a:r>
+          </a:p>
+          <a:p>
+            <a:pPr marL="457200" indent="-457200" algn="just">
+              <a:buFont typeface="Arial" panose="020B0604020202020204" pitchFamily="34" charset="0"/>
+              <a:buChar char="•"/>
+            </a:pPr>
+            <a:r>
+              <a:rPr lang="en-US" altLang="en-US" sz="3000" dirty="0">
+                <a:latin typeface="+mn-lt"/>
+                <a:cs typeface="Times New Roman" panose="02020603050405020304" pitchFamily="18" charset="0"/>
+              </a:rPr>
+              <a:t>The superiority maintains as the standard deviation varies. </a:t>
+            </a:r>
+          </a:p>
+          <a:p>
+            <a:pPr marL="457200" indent="-457200" algn="just">
+              <a:buFont typeface="Arial" panose="020B0604020202020204" pitchFamily="34" charset="0"/>
+              <a:buChar char="•"/>
+            </a:pPr>
+            <a:r>
+              <a:rPr lang="en-US" altLang="en-US" sz="3000" dirty="0">
+                <a:latin typeface="+mn-lt"/>
+                <a:cs typeface="Times New Roman" panose="02020603050405020304" pitchFamily="18" charset="0"/>
+              </a:rPr>
+              <a:t>The least favorable version demonstrates the smallest power among the four methods, thus is a conservative approach which is preferred for avoiding false positive conclusions. </a:t>
             </a:r>
             <a:endParaRPr lang="en-US" altLang="en-US" sz="3000" dirty="0">
-              <a:latin typeface="Cambria" panose="02040503050406030204" pitchFamily="18" charset="0"/>
+              <a:latin typeface="+mn-lt"/>
               <a:cs typeface="Times New Roman" panose="02020603050405020304" pitchFamily="18" charset="0"/>
             </a:endParaRPr>
           </a:p>
@@ -12515,19 +12375,12 @@
               </a:rPr>
               <a:t>Simultaneous Confidence Interval Methods for Analytical Similarity Assessment</a:t>
             </a:r>
-            <a:endParaRPr lang="en-US" altLang="en-US" sz="8000" dirty="0">
-              <a:solidFill>
-                <a:srgbClr val="FFFFFF"/>
-              </a:solidFill>
-              <a:latin typeface="+mn-lt"/>
-              <a:cs typeface="Times New Roman" panose="02020603050405020304" pitchFamily="18" charset="0"/>
-            </a:endParaRPr>
           </a:p>
         </p:txBody>
       </p:sp>
       <p:sp>
         <p:nvSpPr>
-          <p:cNvPr id="26" name="Text Box 405"/>
+          <p:cNvPr id="27" name="Text Box 14"/>
           <p:cNvSpPr txBox="1">
             <a:spLocks noChangeArrowheads="1"/>
           </p:cNvSpPr>
@@ -12535,8 +12388,166 @@
         </p:nvSpPr>
         <p:spPr bwMode="auto">
           <a:xfrm>
-            <a:off x="693738" y="20095584"/>
-            <a:ext cx="9982200" cy="579438"/>
+            <a:off x="693738" y="24567319"/>
+            <a:ext cx="9982200" cy="1384995"/>
+          </a:xfrm>
+          <a:prstGeom prst="rect">
+            <a:avLst/>
+          </a:prstGeom>
+          <a:noFill/>
+          <a:ln>
+            <a:noFill/>
+          </a:ln>
+          <a:extLst>
+            <a:ext uri="{909E8E84-426E-40DD-AFC4-6F175D3DCCD1}">
+              <a14:hiddenFill xmlns:a14="http://schemas.microsoft.com/office/drawing/2010/main">
+                <a:solidFill>
+                  <a:srgbClr val="FFFFFF"/>
+                </a:solidFill>
+              </a14:hiddenFill>
+            </a:ext>
+            <a:ext uri="{91240B29-F687-4F45-9708-019B960494DF}">
+              <a14:hiddenLine xmlns:a14="http://schemas.microsoft.com/office/drawing/2010/main" w="9525">
+                <a:solidFill>
+                  <a:srgbClr val="000000"/>
+                </a:solidFill>
+                <a:miter lim="800000"/>
+                <a:headEnd/>
+                <a:tailEnd/>
+              </a14:hiddenLine>
+            </a:ext>
+          </a:extLst>
+        </p:spPr>
+        <p:txBody>
+          <a:bodyPr lIns="457200" tIns="457200" rIns="457200" bIns="457200">
+            <a:spAutoFit/>
+          </a:bodyPr>
+          <a:lstStyle>
+            <a:lvl1pPr defTabSz="4389438" eaLnBrk="0" hangingPunct="0">
+              <a:defRPr sz="2900">
+                <a:solidFill>
+                  <a:schemeClr val="tx1"/>
+                </a:solidFill>
+                <a:latin typeface="Arial Narrow" pitchFamily="34" charset="0"/>
+              </a:defRPr>
+            </a:lvl1pPr>
+            <a:lvl2pPr marL="742950" indent="-285750" defTabSz="4389438" eaLnBrk="0" hangingPunct="0">
+              <a:defRPr sz="2900">
+                <a:solidFill>
+                  <a:schemeClr val="tx1"/>
+                </a:solidFill>
+                <a:latin typeface="Arial Narrow" pitchFamily="34" charset="0"/>
+              </a:defRPr>
+            </a:lvl2pPr>
+            <a:lvl3pPr marL="1143000" indent="-228600" defTabSz="4389438" eaLnBrk="0" hangingPunct="0">
+              <a:defRPr sz="2900">
+                <a:solidFill>
+                  <a:schemeClr val="tx1"/>
+                </a:solidFill>
+                <a:latin typeface="Arial Narrow" pitchFamily="34" charset="0"/>
+              </a:defRPr>
+            </a:lvl3pPr>
+            <a:lvl4pPr marL="1600200" indent="-228600" defTabSz="4389438" eaLnBrk="0" hangingPunct="0">
+              <a:defRPr sz="2900">
+                <a:solidFill>
+                  <a:schemeClr val="tx1"/>
+                </a:solidFill>
+                <a:latin typeface="Arial Narrow" pitchFamily="34" charset="0"/>
+              </a:defRPr>
+            </a:lvl4pPr>
+            <a:lvl5pPr marL="2057400" indent="-228600" defTabSz="4389438" eaLnBrk="0" hangingPunct="0">
+              <a:defRPr sz="2900">
+                <a:solidFill>
+                  <a:schemeClr val="tx1"/>
+                </a:solidFill>
+                <a:latin typeface="Arial Narrow" pitchFamily="34" charset="0"/>
+              </a:defRPr>
+            </a:lvl5pPr>
+            <a:lvl6pPr marL="2514600" indent="-228600" defTabSz="4389438" eaLnBrk="0" fontAlgn="base" hangingPunct="0">
+              <a:spcBef>
+                <a:spcPct val="0"/>
+              </a:spcBef>
+              <a:spcAft>
+                <a:spcPct val="0"/>
+              </a:spcAft>
+              <a:defRPr sz="2900">
+                <a:solidFill>
+                  <a:schemeClr val="tx1"/>
+                </a:solidFill>
+                <a:latin typeface="Arial Narrow" pitchFamily="34" charset="0"/>
+              </a:defRPr>
+            </a:lvl6pPr>
+            <a:lvl7pPr marL="2971800" indent="-228600" defTabSz="4389438" eaLnBrk="0" fontAlgn="base" hangingPunct="0">
+              <a:spcBef>
+                <a:spcPct val="0"/>
+              </a:spcBef>
+              <a:spcAft>
+                <a:spcPct val="0"/>
+              </a:spcAft>
+              <a:defRPr sz="2900">
+                <a:solidFill>
+                  <a:schemeClr val="tx1"/>
+                </a:solidFill>
+                <a:latin typeface="Arial Narrow" pitchFamily="34" charset="0"/>
+              </a:defRPr>
+            </a:lvl7pPr>
+            <a:lvl8pPr marL="3429000" indent="-228600" defTabSz="4389438" eaLnBrk="0" fontAlgn="base" hangingPunct="0">
+              <a:spcBef>
+                <a:spcPct val="0"/>
+              </a:spcBef>
+              <a:spcAft>
+                <a:spcPct val="0"/>
+              </a:spcAft>
+              <a:defRPr sz="2900">
+                <a:solidFill>
+                  <a:schemeClr val="tx1"/>
+                </a:solidFill>
+                <a:latin typeface="Arial Narrow" pitchFamily="34" charset="0"/>
+              </a:defRPr>
+            </a:lvl8pPr>
+            <a:lvl9pPr marL="3886200" indent="-228600" defTabSz="4389438" eaLnBrk="0" fontAlgn="base" hangingPunct="0">
+              <a:spcBef>
+                <a:spcPct val="0"/>
+              </a:spcBef>
+              <a:spcAft>
+                <a:spcPct val="0"/>
+              </a:spcAft>
+              <a:defRPr sz="2900">
+                <a:solidFill>
+                  <a:schemeClr val="tx1"/>
+                </a:solidFill>
+                <a:latin typeface="Arial Narrow" pitchFamily="34" charset="0"/>
+              </a:defRPr>
+            </a:lvl9pPr>
+          </a:lstStyle>
+          <a:p>
+            <a:pPr algn="just" eaLnBrk="1" hangingPunct="1"/>
+            <a:r>
+              <a:rPr lang="en-US" altLang="en-US" sz="3000" dirty="0" err="1">
+                <a:latin typeface="Cambria" panose="02040503050406030204" pitchFamily="18" charset="0"/>
+                <a:cs typeface="Times New Roman" panose="02020603050405020304" pitchFamily="18" charset="0"/>
+              </a:rPr>
+              <a:t>aaa</a:t>
+            </a:r>
+            <a:endParaRPr lang="en-US" altLang="en-US" sz="3000" b="1" dirty="0">
+              <a:latin typeface="Cambria" panose="02040503050406030204" pitchFamily="18" charset="0"/>
+              <a:cs typeface="Times New Roman" panose="02020603050405020304" pitchFamily="18" charset="0"/>
+            </a:endParaRPr>
+          </a:p>
+        </p:txBody>
+      </p:sp>
+      <p:sp>
+        <p:nvSpPr>
+          <p:cNvPr id="21" name="Text Box 7"/>
+          <p:cNvSpPr txBox="1">
+            <a:spLocks noChangeArrowheads="1"/>
+          </p:cNvSpPr>
+          <p:nvPr/>
+        </p:nvSpPr>
+        <p:spPr bwMode="auto">
+          <a:xfrm>
+            <a:off x="11466512" y="5638800"/>
+            <a:ext cx="9982200" cy="584582"/>
           </a:xfrm>
           <a:prstGeom prst="rect">
             <a:avLst/>
@@ -12544,13 +12555,10 @@
           <a:solidFill>
             <a:srgbClr val="0070C0"/>
           </a:solidFill>
-          <a:ln w="9525">
+          <a:ln>
             <a:solidFill>
               <a:srgbClr val="0070C0"/>
             </a:solidFill>
-            <a:miter lim="800000"/>
-            <a:headEnd/>
-            <a:tailEnd/>
           </a:ln>
           <a:effectLst>
             <a:outerShdw blurRad="190500" dist="228600" dir="2700000" algn="ctr">
@@ -12571,6 +12579,22 @@
             <a:bevelT w="127000" h="63500"/>
           </a:sp3d>
         </p:spPr>
+        <p:style>
+          <a:lnRef idx="2">
+            <a:schemeClr val="accent2">
+              <a:shade val="50000"/>
+            </a:schemeClr>
+          </a:lnRef>
+          <a:fillRef idx="1">
+            <a:schemeClr val="accent2"/>
+          </a:fillRef>
+          <a:effectRef idx="0">
+            <a:schemeClr val="accent2"/>
+          </a:effectRef>
+          <a:fontRef idx="minor">
+            <a:schemeClr val="lt1"/>
+          </a:fontRef>
+        </p:style>
         <p:txBody>
           <a:bodyPr lIns="91267" tIns="45624" rIns="91267" bIns="45624">
             <a:spAutoFit/>
@@ -12685,167 +12709,10 @@
                   <a:srgbClr val="F8F8F8"/>
                 </a:solidFill>
                 <a:latin typeface="+mn-lt"/>
-              </a:rPr>
-              <a:t>Statistical Methods</a:t>
-            </a:r>
-          </a:p>
-        </p:txBody>
-      </p:sp>
-      <p:sp>
-        <p:nvSpPr>
-          <p:cNvPr id="27" name="Text Box 14"/>
-          <p:cNvSpPr txBox="1">
-            <a:spLocks noChangeArrowheads="1"/>
-          </p:cNvSpPr>
-          <p:nvPr/>
-        </p:nvSpPr>
-        <p:spPr bwMode="auto">
-          <a:xfrm>
-            <a:off x="685800" y="20675022"/>
-            <a:ext cx="9982200" cy="1384995"/>
-          </a:xfrm>
-          <a:prstGeom prst="rect">
-            <a:avLst/>
-          </a:prstGeom>
-          <a:noFill/>
-          <a:ln>
-            <a:noFill/>
-          </a:ln>
-          <a:extLst>
-            <a:ext uri="{909E8E84-426E-40DD-AFC4-6F175D3DCCD1}">
-              <a14:hiddenFill xmlns:a14="http://schemas.microsoft.com/office/drawing/2010/main">
-                <a:solidFill>
-                  <a:srgbClr val="FFFFFF"/>
-                </a:solidFill>
-              </a14:hiddenFill>
-            </a:ext>
-            <a:ext uri="{91240B29-F687-4F45-9708-019B960494DF}">
-              <a14:hiddenLine xmlns:a14="http://schemas.microsoft.com/office/drawing/2010/main" w="9525">
-                <a:solidFill>
-                  <a:srgbClr val="000000"/>
-                </a:solidFill>
-                <a:miter lim="800000"/>
-                <a:headEnd/>
-                <a:tailEnd/>
-              </a14:hiddenLine>
-            </a:ext>
-          </a:extLst>
-        </p:spPr>
-        <p:txBody>
-          <a:bodyPr lIns="457200" tIns="457200" rIns="457200" bIns="457200">
-            <a:spAutoFit/>
-          </a:bodyPr>
-          <a:lstStyle>
-            <a:lvl1pPr defTabSz="4389438" eaLnBrk="0" hangingPunct="0">
-              <a:defRPr sz="2900">
-                <a:solidFill>
-                  <a:schemeClr val="tx1"/>
-                </a:solidFill>
-                <a:latin typeface="Arial Narrow" pitchFamily="34" charset="0"/>
-              </a:defRPr>
-            </a:lvl1pPr>
-            <a:lvl2pPr marL="742950" indent="-285750" defTabSz="4389438" eaLnBrk="0" hangingPunct="0">
-              <a:defRPr sz="2900">
-                <a:solidFill>
-                  <a:schemeClr val="tx1"/>
-                </a:solidFill>
-                <a:latin typeface="Arial Narrow" pitchFamily="34" charset="0"/>
-              </a:defRPr>
-            </a:lvl2pPr>
-            <a:lvl3pPr marL="1143000" indent="-228600" defTabSz="4389438" eaLnBrk="0" hangingPunct="0">
-              <a:defRPr sz="2900">
-                <a:solidFill>
-                  <a:schemeClr val="tx1"/>
-                </a:solidFill>
-                <a:latin typeface="Arial Narrow" pitchFamily="34" charset="0"/>
-              </a:defRPr>
-            </a:lvl3pPr>
-            <a:lvl4pPr marL="1600200" indent="-228600" defTabSz="4389438" eaLnBrk="0" hangingPunct="0">
-              <a:defRPr sz="2900">
-                <a:solidFill>
-                  <a:schemeClr val="tx1"/>
-                </a:solidFill>
-                <a:latin typeface="Arial Narrow" pitchFamily="34" charset="0"/>
-              </a:defRPr>
-            </a:lvl4pPr>
-            <a:lvl5pPr marL="2057400" indent="-228600" defTabSz="4389438" eaLnBrk="0" hangingPunct="0">
-              <a:defRPr sz="2900">
-                <a:solidFill>
-                  <a:schemeClr val="tx1"/>
-                </a:solidFill>
-                <a:latin typeface="Arial Narrow" pitchFamily="34" charset="0"/>
-              </a:defRPr>
-            </a:lvl5pPr>
-            <a:lvl6pPr marL="2514600" indent="-228600" defTabSz="4389438" eaLnBrk="0" fontAlgn="base" hangingPunct="0">
-              <a:spcBef>
-                <a:spcPct val="0"/>
-              </a:spcBef>
-              <a:spcAft>
-                <a:spcPct val="0"/>
-              </a:spcAft>
-              <a:defRPr sz="2900">
-                <a:solidFill>
-                  <a:schemeClr val="tx1"/>
-                </a:solidFill>
-                <a:latin typeface="Arial Narrow" pitchFamily="34" charset="0"/>
-              </a:defRPr>
-            </a:lvl6pPr>
-            <a:lvl7pPr marL="2971800" indent="-228600" defTabSz="4389438" eaLnBrk="0" fontAlgn="base" hangingPunct="0">
-              <a:spcBef>
-                <a:spcPct val="0"/>
-              </a:spcBef>
-              <a:spcAft>
-                <a:spcPct val="0"/>
-              </a:spcAft>
-              <a:defRPr sz="2900">
-                <a:solidFill>
-                  <a:schemeClr val="tx1"/>
-                </a:solidFill>
-                <a:latin typeface="Arial Narrow" pitchFamily="34" charset="0"/>
-              </a:defRPr>
-            </a:lvl7pPr>
-            <a:lvl8pPr marL="3429000" indent="-228600" defTabSz="4389438" eaLnBrk="0" fontAlgn="base" hangingPunct="0">
-              <a:spcBef>
-                <a:spcPct val="0"/>
-              </a:spcBef>
-              <a:spcAft>
-                <a:spcPct val="0"/>
-              </a:spcAft>
-              <a:defRPr sz="2900">
-                <a:solidFill>
-                  <a:schemeClr val="tx1"/>
-                </a:solidFill>
-                <a:latin typeface="Arial Narrow" pitchFamily="34" charset="0"/>
-              </a:defRPr>
-            </a:lvl8pPr>
-            <a:lvl9pPr marL="3886200" indent="-228600" defTabSz="4389438" eaLnBrk="0" fontAlgn="base" hangingPunct="0">
-              <a:spcBef>
-                <a:spcPct val="0"/>
-              </a:spcBef>
-              <a:spcAft>
-                <a:spcPct val="0"/>
-              </a:spcAft>
-              <a:defRPr sz="2900">
-                <a:solidFill>
-                  <a:schemeClr val="tx1"/>
-                </a:solidFill>
-                <a:latin typeface="Arial Narrow" pitchFamily="34" charset="0"/>
-              </a:defRPr>
-            </a:lvl9pPr>
-          </a:lstStyle>
-          <a:p>
-            <a:pPr algn="just" eaLnBrk="1" hangingPunct="1"/>
-            <a:r>
-              <a:rPr lang="en-US" altLang="en-US" sz="3000" dirty="0" err="1">
-                <a:latin typeface="Cambria" panose="02040503050406030204" pitchFamily="18" charset="0"/>
                 <a:cs typeface="Times New Roman" panose="02020603050405020304" pitchFamily="18" charset="0"/>
               </a:rPr>
-              <a:t>aaa</a:t>
-            </a:r>
-            <a:endParaRPr lang="en-US" altLang="en-US" sz="3000" b="1" dirty="0">
-              <a:latin typeface="Cambria" panose="02040503050406030204" pitchFamily="18" charset="0"/>
-              <a:cs typeface="Times New Roman" panose="02020603050405020304" pitchFamily="18" charset="0"/>
-            </a:endParaRPr>
+              <a:t>Simultaneous Confidence Interval Approach</a:t>
+            </a:r>
           </a:p>
         </p:txBody>
       </p:sp>
